--- a/slides/personal-finance-figures.pptx
+++ b/slides/personal-finance-figures.pptx
@@ -6,6 +6,7 @@
   </p:sldMasterIdLst>
   <p:sldIdLst>
     <p:sldId id="256" r:id="rId2"/>
+    <p:sldId id="257" r:id="rId3"/>
   </p:sldIdLst>
   <p:sldSz cx="12192000" cy="6858000"/>
   <p:notesSz cx="6858000" cy="9144000"/>
@@ -3342,7 +3343,10 @@
           <a:bodyPr/>
           <a:lstStyle/>
           <a:p>
-            <a:endParaRPr lang="en-US"/>
+            <a:r>
+              <a:rPr lang="en-US" dirty="0"/>
+              <a:t>Personal Finance Figures</a:t>
+            </a:r>
           </a:p>
         </p:txBody>
       </p:sp>
@@ -3375,6 +3379,161 @@
     <p:extLst>
       <p:ext uri="{BB962C8B-B14F-4D97-AF65-F5344CB8AC3E}">
         <p14:creationId xmlns:p14="http://schemas.microsoft.com/office/powerpoint/2010/main" val="392214379"/>
+      </p:ext>
+    </p:extLst>
+  </p:cSld>
+  <p:clrMapOvr>
+    <a:masterClrMapping/>
+  </p:clrMapOvr>
+</p:sld>
+</file>
+
+<file path=ppt/slides/slide2.xml><?xml version="1.0" encoding="utf-8"?>
+<p:sld xmlns:a="http://schemas.openxmlformats.org/drawingml/2006/main" xmlns:r="http://schemas.openxmlformats.org/officeDocument/2006/relationships" xmlns:p="http://schemas.openxmlformats.org/presentationml/2006/main">
+  <p:cSld>
+    <p:spTree>
+      <p:nvGrpSpPr>
+        <p:cNvPr id="1" name=""/>
+        <p:cNvGrpSpPr/>
+        <p:nvPr/>
+      </p:nvGrpSpPr>
+      <p:grpSpPr>
+        <a:xfrm>
+          <a:off x="0" y="0"/>
+          <a:ext cx="0" cy="0"/>
+          <a:chOff x="0" y="0"/>
+          <a:chExt cx="0" cy="0"/>
+        </a:xfrm>
+      </p:grpSpPr>
+      <p:sp>
+        <p:nvSpPr>
+          <p:cNvPr id="5" name="Oval 4">
+            <a:extLst>
+              <a:ext uri="{FF2B5EF4-FFF2-40B4-BE49-F238E27FC236}">
+                <a16:creationId xmlns:a16="http://schemas.microsoft.com/office/drawing/2014/main" id="{B1C4ACCD-ACEE-8798-08F9-83CE667BC1E5}"/>
+              </a:ext>
+            </a:extLst>
+          </p:cNvPr>
+          <p:cNvSpPr/>
+          <p:nvPr/>
+        </p:nvSpPr>
+        <p:spPr>
+          <a:xfrm>
+            <a:off x="3674407" y="1841565"/>
+            <a:ext cx="2974716" cy="2767265"/>
+          </a:xfrm>
+          <a:prstGeom prst="ellipse">
+            <a:avLst/>
+          </a:prstGeom>
+          <a:solidFill>
+            <a:schemeClr val="bg1"/>
+          </a:solidFill>
+          <a:ln w="76200">
+            <a:solidFill>
+              <a:schemeClr val="accent6">
+                <a:lumMod val="75000"/>
+              </a:schemeClr>
+            </a:solidFill>
+          </a:ln>
+        </p:spPr>
+        <p:style>
+          <a:lnRef idx="2">
+            <a:schemeClr val="accent1">
+              <a:shade val="15000"/>
+            </a:schemeClr>
+          </a:lnRef>
+          <a:fillRef idx="1">
+            <a:schemeClr val="accent1"/>
+          </a:fillRef>
+          <a:effectRef idx="0">
+            <a:schemeClr val="accent1"/>
+          </a:effectRef>
+          <a:fontRef idx="minor">
+            <a:schemeClr val="lt1"/>
+          </a:fontRef>
+        </p:style>
+        <p:txBody>
+          <a:bodyPr rtlCol="0" anchor="ctr"/>
+          <a:lstStyle/>
+          <a:p>
+            <a:pPr algn="ctr"/>
+            <a:endParaRPr lang="en-US"/>
+          </a:p>
+        </p:txBody>
+      </p:sp>
+      <p:sp>
+        <p:nvSpPr>
+          <p:cNvPr id="2" name="Title 1">
+            <a:extLst>
+              <a:ext uri="{FF2B5EF4-FFF2-40B4-BE49-F238E27FC236}">
+                <a16:creationId xmlns:a16="http://schemas.microsoft.com/office/drawing/2014/main" id="{2E00C429-C336-4F36-5540-5B2FD9492DB5}"/>
+              </a:ext>
+            </a:extLst>
+          </p:cNvPr>
+          <p:cNvSpPr>
+            <a:spLocks noGrp="1"/>
+          </p:cNvSpPr>
+          <p:nvPr>
+            <p:ph type="title"/>
+          </p:nvPr>
+        </p:nvSpPr>
+        <p:spPr/>
+        <p:txBody>
+          <a:bodyPr/>
+          <a:lstStyle/>
+          <a:p>
+            <a:r>
+              <a:rPr lang="en-US" dirty="0"/>
+              <a:t>Logo:</a:t>
+            </a:r>
+          </a:p>
+        </p:txBody>
+      </p:sp>
+      <p:sp>
+        <p:nvSpPr>
+          <p:cNvPr id="4" name="TextBox 3">
+            <a:extLst>
+              <a:ext uri="{FF2B5EF4-FFF2-40B4-BE49-F238E27FC236}">
+                <a16:creationId xmlns:a16="http://schemas.microsoft.com/office/drawing/2014/main" id="{1BD2B345-222C-4080-E28B-C662251EFF52}"/>
+              </a:ext>
+            </a:extLst>
+          </p:cNvPr>
+          <p:cNvSpPr txBox="1"/>
+          <p:nvPr/>
+        </p:nvSpPr>
+        <p:spPr>
+          <a:xfrm>
+            <a:off x="4388156" y="1604997"/>
+            <a:ext cx="1547218" cy="3154710"/>
+          </a:xfrm>
+          <a:prstGeom prst="rect">
+            <a:avLst/>
+          </a:prstGeom>
+          <a:noFill/>
+        </p:spPr>
+        <p:txBody>
+          <a:bodyPr wrap="none" rtlCol="0">
+            <a:spAutoFit/>
+          </a:bodyPr>
+          <a:lstStyle/>
+          <a:p>
+            <a:r>
+              <a:rPr lang="en-US" sz="19900" b="1" dirty="0">
+                <a:solidFill>
+                  <a:schemeClr val="accent6">
+                    <a:lumMod val="75000"/>
+                  </a:schemeClr>
+                </a:solidFill>
+              </a:rPr>
+              <a:t>$</a:t>
+            </a:r>
+          </a:p>
+        </p:txBody>
+      </p:sp>
+    </p:spTree>
+    <p:extLst>
+      <p:ext uri="{BB962C8B-B14F-4D97-AF65-F5344CB8AC3E}">
+        <p14:creationId xmlns:p14="http://schemas.microsoft.com/office/powerpoint/2010/main" val="2848399645"/>
       </p:ext>
     </p:extLst>
   </p:cSld>

--- a/slides/personal-finance-figures.pptx
+++ b/slides/personal-finance-figures.pptx
@@ -7,6 +7,7 @@
   <p:sldIdLst>
     <p:sldId id="256" r:id="rId2"/>
     <p:sldId id="257" r:id="rId3"/>
+    <p:sldId id="258" r:id="rId4"/>
   </p:sldIdLst>
   <p:sldSz cx="12192000" cy="6858000"/>
   <p:notesSz cx="6858000" cy="9144000"/>
@@ -105,6 +106,11 @@
       </a:defRPr>
     </a:lvl9pPr>
   </p:defaultTextStyle>
+  <p:extLst>
+    <p:ext uri="{EFAFB233-063F-42B5-8137-9DF3F51BA10A}">
+      <p15:sldGuideLst xmlns:p15="http://schemas.microsoft.com/office/powerpoint/2012/main"/>
+    </p:ext>
+  </p:extLst>
 </p:presentation>
 </file>
 
@@ -255,7 +261,7 @@
           <a:p>
             <a:fld id="{8BD044A0-AB11-8F45-AB01-3E1088591536}" type="datetimeFigureOut">
               <a:rPr lang="en-US" smtClean="0"/>
-              <a:t>3/25/25</a:t>
+              <a:t>3/29/25</a:t>
             </a:fld>
             <a:endParaRPr lang="en-US"/>
           </a:p>
@@ -453,7 +459,7 @@
           <a:p>
             <a:fld id="{8BD044A0-AB11-8F45-AB01-3E1088591536}" type="datetimeFigureOut">
               <a:rPr lang="en-US" smtClean="0"/>
-              <a:t>3/25/25</a:t>
+              <a:t>3/29/25</a:t>
             </a:fld>
             <a:endParaRPr lang="en-US"/>
           </a:p>
@@ -661,7 +667,7 @@
           <a:p>
             <a:fld id="{8BD044A0-AB11-8F45-AB01-3E1088591536}" type="datetimeFigureOut">
               <a:rPr lang="en-US" smtClean="0"/>
-              <a:t>3/25/25</a:t>
+              <a:t>3/29/25</a:t>
             </a:fld>
             <a:endParaRPr lang="en-US"/>
           </a:p>
@@ -859,7 +865,7 @@
           <a:p>
             <a:fld id="{8BD044A0-AB11-8F45-AB01-3E1088591536}" type="datetimeFigureOut">
               <a:rPr lang="en-US" smtClean="0"/>
-              <a:t>3/25/25</a:t>
+              <a:t>3/29/25</a:t>
             </a:fld>
             <a:endParaRPr lang="en-US"/>
           </a:p>
@@ -1134,7 +1140,7 @@
           <a:p>
             <a:fld id="{8BD044A0-AB11-8F45-AB01-3E1088591536}" type="datetimeFigureOut">
               <a:rPr lang="en-US" smtClean="0"/>
-              <a:t>3/25/25</a:t>
+              <a:t>3/29/25</a:t>
             </a:fld>
             <a:endParaRPr lang="en-US"/>
           </a:p>
@@ -1399,7 +1405,7 @@
           <a:p>
             <a:fld id="{8BD044A0-AB11-8F45-AB01-3E1088591536}" type="datetimeFigureOut">
               <a:rPr lang="en-US" smtClean="0"/>
-              <a:t>3/25/25</a:t>
+              <a:t>3/29/25</a:t>
             </a:fld>
             <a:endParaRPr lang="en-US"/>
           </a:p>
@@ -1811,7 +1817,7 @@
           <a:p>
             <a:fld id="{8BD044A0-AB11-8F45-AB01-3E1088591536}" type="datetimeFigureOut">
               <a:rPr lang="en-US" smtClean="0"/>
-              <a:t>3/25/25</a:t>
+              <a:t>3/29/25</a:t>
             </a:fld>
             <a:endParaRPr lang="en-US"/>
           </a:p>
@@ -1952,7 +1958,7 @@
           <a:p>
             <a:fld id="{8BD044A0-AB11-8F45-AB01-3E1088591536}" type="datetimeFigureOut">
               <a:rPr lang="en-US" smtClean="0"/>
-              <a:t>3/25/25</a:t>
+              <a:t>3/29/25</a:t>
             </a:fld>
             <a:endParaRPr lang="en-US"/>
           </a:p>
@@ -2065,7 +2071,7 @@
           <a:p>
             <a:fld id="{8BD044A0-AB11-8F45-AB01-3E1088591536}" type="datetimeFigureOut">
               <a:rPr lang="en-US" smtClean="0"/>
-              <a:t>3/25/25</a:t>
+              <a:t>3/29/25</a:t>
             </a:fld>
             <a:endParaRPr lang="en-US"/>
           </a:p>
@@ -2376,7 +2382,7 @@
           <a:p>
             <a:fld id="{8BD044A0-AB11-8F45-AB01-3E1088591536}" type="datetimeFigureOut">
               <a:rPr lang="en-US" smtClean="0"/>
-              <a:t>3/25/25</a:t>
+              <a:t>3/29/25</a:t>
             </a:fld>
             <a:endParaRPr lang="en-US"/>
           </a:p>
@@ -2664,7 +2670,7 @@
           <a:p>
             <a:fld id="{8BD044A0-AB11-8F45-AB01-3E1088591536}" type="datetimeFigureOut">
               <a:rPr lang="en-US" smtClean="0"/>
-              <a:t>3/25/25</a:t>
+              <a:t>3/29/25</a:t>
             </a:fld>
             <a:endParaRPr lang="en-US"/>
           </a:p>
@@ -2905,7 +2911,7 @@
           <a:p>
             <a:fld id="{8BD044A0-AB11-8F45-AB01-3E1088591536}" type="datetimeFigureOut">
               <a:rPr lang="en-US" smtClean="0"/>
-              <a:t>3/25/25</a:t>
+              <a:t>3/29/25</a:t>
             </a:fld>
             <a:endParaRPr lang="en-US"/>
           </a:p>
@@ -3534,6 +3540,777 @@
     <p:extLst>
       <p:ext uri="{BB962C8B-B14F-4D97-AF65-F5344CB8AC3E}">
         <p14:creationId xmlns:p14="http://schemas.microsoft.com/office/powerpoint/2010/main" val="2848399645"/>
+      </p:ext>
+    </p:extLst>
+  </p:cSld>
+  <p:clrMapOvr>
+    <a:masterClrMapping/>
+  </p:clrMapOvr>
+</p:sld>
+</file>
+
+<file path=ppt/slides/slide3.xml><?xml version="1.0" encoding="utf-8"?>
+<p:sld xmlns:a="http://schemas.openxmlformats.org/drawingml/2006/main" xmlns:r="http://schemas.openxmlformats.org/officeDocument/2006/relationships" xmlns:p="http://schemas.openxmlformats.org/presentationml/2006/main">
+  <p:cSld>
+    <p:spTree>
+      <p:nvGrpSpPr>
+        <p:cNvPr id="1" name=""/>
+        <p:cNvGrpSpPr/>
+        <p:nvPr/>
+      </p:nvGrpSpPr>
+      <p:grpSpPr>
+        <a:xfrm>
+          <a:off x="0" y="0"/>
+          <a:ext cx="0" cy="0"/>
+          <a:chOff x="0" y="0"/>
+          <a:chExt cx="0" cy="0"/>
+        </a:xfrm>
+      </p:grpSpPr>
+      <p:pic>
+        <p:nvPicPr>
+          <p:cNvPr id="5" name="Picture 4">
+            <a:extLst>
+              <a:ext uri="{FF2B5EF4-FFF2-40B4-BE49-F238E27FC236}">
+                <a16:creationId xmlns:a16="http://schemas.microsoft.com/office/drawing/2014/main" id="{1579000E-2DF5-4A5B-DCDA-DF9BCCE57524}"/>
+              </a:ext>
+            </a:extLst>
+          </p:cNvPr>
+          <p:cNvPicPr>
+            <a:picLocks noChangeAspect="1"/>
+          </p:cNvPicPr>
+          <p:nvPr/>
+        </p:nvPicPr>
+        <p:blipFill>
+          <a:blip r:embed="rId2"/>
+          <a:stretch>
+            <a:fillRect/>
+          </a:stretch>
+        </p:blipFill>
+        <p:spPr>
+          <a:xfrm>
+            <a:off x="2209800" y="1382925"/>
+            <a:ext cx="7772400" cy="4092150"/>
+          </a:xfrm>
+          <a:prstGeom prst="rect">
+            <a:avLst/>
+          </a:prstGeom>
+        </p:spPr>
+      </p:pic>
+      <p:sp>
+        <p:nvSpPr>
+          <p:cNvPr id="6" name="TextBox 5">
+            <a:extLst>
+              <a:ext uri="{FF2B5EF4-FFF2-40B4-BE49-F238E27FC236}">
+                <a16:creationId xmlns:a16="http://schemas.microsoft.com/office/drawing/2014/main" id="{E359ED22-75E5-DD71-9AA9-8E89215B59B0}"/>
+              </a:ext>
+            </a:extLst>
+          </p:cNvPr>
+          <p:cNvSpPr txBox="1"/>
+          <p:nvPr/>
+        </p:nvSpPr>
+        <p:spPr>
+          <a:xfrm>
+            <a:off x="6289589" y="2248930"/>
+            <a:ext cx="726224" cy="369332"/>
+          </a:xfrm>
+          <a:prstGeom prst="rect">
+            <a:avLst/>
+          </a:prstGeom>
+          <a:noFill/>
+        </p:spPr>
+        <p:txBody>
+          <a:bodyPr wrap="none" rtlCol="0">
+            <a:spAutoFit/>
+          </a:bodyPr>
+          <a:lstStyle/>
+          <a:p>
+            <a:r>
+              <a:rPr lang="en-US" dirty="0"/>
+              <a:t>Date:</a:t>
+            </a:r>
+          </a:p>
+        </p:txBody>
+      </p:sp>
+      <p:sp>
+        <p:nvSpPr>
+          <p:cNvPr id="7" name="Rectangular Callout 6">
+            <a:extLst>
+              <a:ext uri="{FF2B5EF4-FFF2-40B4-BE49-F238E27FC236}">
+                <a16:creationId xmlns:a16="http://schemas.microsoft.com/office/drawing/2014/main" id="{CB36DF93-6EBE-8989-6458-201A196112DB}"/>
+              </a:ext>
+            </a:extLst>
+          </p:cNvPr>
+          <p:cNvSpPr/>
+          <p:nvPr/>
+        </p:nvSpPr>
+        <p:spPr>
+          <a:xfrm>
+            <a:off x="1540043" y="5815529"/>
+            <a:ext cx="1617652" cy="677346"/>
+          </a:xfrm>
+          <a:prstGeom prst="wedgeRectCallout">
+            <a:avLst>
+              <a:gd name="adj1" fmla="val 50422"/>
+              <a:gd name="adj2" fmla="val -138718"/>
+            </a:avLst>
+          </a:prstGeom>
+          <a:solidFill>
+            <a:schemeClr val="bg1">
+              <a:lumMod val="85000"/>
+            </a:schemeClr>
+          </a:solidFill>
+        </p:spPr>
+        <p:style>
+          <a:lnRef idx="2">
+            <a:schemeClr val="accent1">
+              <a:shade val="15000"/>
+            </a:schemeClr>
+          </a:lnRef>
+          <a:fillRef idx="1">
+            <a:schemeClr val="accent1"/>
+          </a:fillRef>
+          <a:effectRef idx="0">
+            <a:schemeClr val="accent1"/>
+          </a:effectRef>
+          <a:fontRef idx="minor">
+            <a:schemeClr val="lt1"/>
+          </a:fontRef>
+        </p:style>
+        <p:txBody>
+          <a:bodyPr rtlCol="0" anchor="ctr"/>
+          <a:lstStyle/>
+          <a:p>
+            <a:pPr algn="ctr"/>
+            <a:r>
+              <a:rPr lang="en-US" dirty="0">
+                <a:solidFill>
+                  <a:sysClr val="windowText" lastClr="000000"/>
+                </a:solidFill>
+              </a:rPr>
+              <a:t>Bank Routing Number</a:t>
+            </a:r>
+          </a:p>
+        </p:txBody>
+      </p:sp>
+      <p:sp>
+        <p:nvSpPr>
+          <p:cNvPr id="8" name="Rectangular Callout 7">
+            <a:extLst>
+              <a:ext uri="{FF2B5EF4-FFF2-40B4-BE49-F238E27FC236}">
+                <a16:creationId xmlns:a16="http://schemas.microsoft.com/office/drawing/2014/main" id="{AF7C2840-D2F6-4CA7-1E12-A29EE0F39721}"/>
+              </a:ext>
+            </a:extLst>
+          </p:cNvPr>
+          <p:cNvSpPr/>
+          <p:nvPr/>
+        </p:nvSpPr>
+        <p:spPr>
+          <a:xfrm>
+            <a:off x="4969800" y="5857120"/>
+            <a:ext cx="1319789" cy="677346"/>
+          </a:xfrm>
+          <a:prstGeom prst="wedgeRectCallout">
+            <a:avLst>
+              <a:gd name="adj1" fmla="val -27888"/>
+              <a:gd name="adj2" fmla="val -144046"/>
+            </a:avLst>
+          </a:prstGeom>
+          <a:solidFill>
+            <a:schemeClr val="bg1">
+              <a:lumMod val="85000"/>
+            </a:schemeClr>
+          </a:solidFill>
+        </p:spPr>
+        <p:style>
+          <a:lnRef idx="2">
+            <a:schemeClr val="accent1">
+              <a:shade val="15000"/>
+            </a:schemeClr>
+          </a:lnRef>
+          <a:fillRef idx="1">
+            <a:schemeClr val="accent1"/>
+          </a:fillRef>
+          <a:effectRef idx="0">
+            <a:schemeClr val="accent1"/>
+          </a:effectRef>
+          <a:fontRef idx="minor">
+            <a:schemeClr val="lt1"/>
+          </a:fontRef>
+        </p:style>
+        <p:txBody>
+          <a:bodyPr rtlCol="0" anchor="ctr"/>
+          <a:lstStyle/>
+          <a:p>
+            <a:pPr algn="ctr"/>
+            <a:r>
+              <a:rPr lang="en-US" dirty="0">
+                <a:solidFill>
+                  <a:sysClr val="windowText" lastClr="000000"/>
+                </a:solidFill>
+              </a:rPr>
+              <a:t>Account</a:t>
+            </a:r>
+          </a:p>
+          <a:p>
+            <a:pPr algn="ctr"/>
+            <a:r>
+              <a:rPr lang="en-US" dirty="0">
+                <a:solidFill>
+                  <a:sysClr val="windowText" lastClr="000000"/>
+                </a:solidFill>
+              </a:rPr>
+              <a:t>Number</a:t>
+            </a:r>
+          </a:p>
+        </p:txBody>
+      </p:sp>
+      <p:sp>
+        <p:nvSpPr>
+          <p:cNvPr id="9" name="TextBox 8">
+            <a:extLst>
+              <a:ext uri="{FF2B5EF4-FFF2-40B4-BE49-F238E27FC236}">
+                <a16:creationId xmlns:a16="http://schemas.microsoft.com/office/drawing/2014/main" id="{5154BF65-B806-327D-1788-0D6FDE64671E}"/>
+              </a:ext>
+            </a:extLst>
+          </p:cNvPr>
+          <p:cNvSpPr txBox="1"/>
+          <p:nvPr/>
+        </p:nvSpPr>
+        <p:spPr>
+          <a:xfrm>
+            <a:off x="6894095" y="2234491"/>
+            <a:ext cx="1957587" cy="338554"/>
+          </a:xfrm>
+          <a:prstGeom prst="rect">
+            <a:avLst/>
+          </a:prstGeom>
+          <a:noFill/>
+        </p:spPr>
+        <p:txBody>
+          <a:bodyPr wrap="none" rtlCol="0">
+            <a:spAutoFit/>
+          </a:bodyPr>
+          <a:lstStyle/>
+          <a:p>
+            <a:r>
+              <a:rPr lang="en-US" sz="1600" dirty="0">
+                <a:latin typeface="Lucida Handwriting" panose="03010101010101010101" pitchFamily="66" charset="77"/>
+                <a:cs typeface="Charm" pitchFamily="2" charset="-34"/>
+              </a:rPr>
+              <a:t>March 29, 2025</a:t>
+            </a:r>
+          </a:p>
+        </p:txBody>
+      </p:sp>
+      <p:sp>
+        <p:nvSpPr>
+          <p:cNvPr id="10" name="Rectangular Callout 9">
+            <a:extLst>
+              <a:ext uri="{FF2B5EF4-FFF2-40B4-BE49-F238E27FC236}">
+                <a16:creationId xmlns:a16="http://schemas.microsoft.com/office/drawing/2014/main" id="{6C8369B5-5AF2-73B4-431A-DE38552E9DC8}"/>
+              </a:ext>
+            </a:extLst>
+          </p:cNvPr>
+          <p:cNvSpPr/>
+          <p:nvPr/>
+        </p:nvSpPr>
+        <p:spPr>
+          <a:xfrm>
+            <a:off x="10380319" y="1571584"/>
+            <a:ext cx="1319789" cy="677346"/>
+          </a:xfrm>
+          <a:prstGeom prst="wedgeRectCallout">
+            <a:avLst>
+              <a:gd name="adj1" fmla="val -101731"/>
+              <a:gd name="adj2" fmla="val -12602"/>
+            </a:avLst>
+          </a:prstGeom>
+          <a:solidFill>
+            <a:schemeClr val="bg1">
+              <a:lumMod val="85000"/>
+            </a:schemeClr>
+          </a:solidFill>
+        </p:spPr>
+        <p:style>
+          <a:lnRef idx="2">
+            <a:schemeClr val="accent1">
+              <a:shade val="15000"/>
+            </a:schemeClr>
+          </a:lnRef>
+          <a:fillRef idx="1">
+            <a:schemeClr val="accent1"/>
+          </a:fillRef>
+          <a:effectRef idx="0">
+            <a:schemeClr val="accent1"/>
+          </a:effectRef>
+          <a:fontRef idx="minor">
+            <a:schemeClr val="lt1"/>
+          </a:fontRef>
+        </p:style>
+        <p:txBody>
+          <a:bodyPr rtlCol="0" anchor="ctr"/>
+          <a:lstStyle/>
+          <a:p>
+            <a:pPr algn="ctr"/>
+            <a:r>
+              <a:rPr lang="en-US" dirty="0">
+                <a:solidFill>
+                  <a:sysClr val="windowText" lastClr="000000"/>
+                </a:solidFill>
+              </a:rPr>
+              <a:t>Check</a:t>
+            </a:r>
+          </a:p>
+          <a:p>
+            <a:pPr algn="ctr"/>
+            <a:r>
+              <a:rPr lang="en-US" dirty="0">
+                <a:solidFill>
+                  <a:sysClr val="windowText" lastClr="000000"/>
+                </a:solidFill>
+              </a:rPr>
+              <a:t>Number</a:t>
+            </a:r>
+          </a:p>
+        </p:txBody>
+      </p:sp>
+      <p:sp>
+        <p:nvSpPr>
+          <p:cNvPr id="11" name="Rectangular Callout 10">
+            <a:extLst>
+              <a:ext uri="{FF2B5EF4-FFF2-40B4-BE49-F238E27FC236}">
+                <a16:creationId xmlns:a16="http://schemas.microsoft.com/office/drawing/2014/main" id="{162148DB-637E-FA90-7426-E931F58E1967}"/>
+              </a:ext>
+            </a:extLst>
+          </p:cNvPr>
+          <p:cNvSpPr/>
+          <p:nvPr/>
+        </p:nvSpPr>
+        <p:spPr>
+          <a:xfrm>
+            <a:off x="10268025" y="2773169"/>
+            <a:ext cx="1319789" cy="677346"/>
+          </a:xfrm>
+          <a:prstGeom prst="wedgeRectCallout">
+            <a:avLst>
+              <a:gd name="adj1" fmla="val -101731"/>
+              <a:gd name="adj2" fmla="val -12602"/>
+            </a:avLst>
+          </a:prstGeom>
+          <a:solidFill>
+            <a:schemeClr val="bg1">
+              <a:lumMod val="85000"/>
+            </a:schemeClr>
+          </a:solidFill>
+        </p:spPr>
+        <p:style>
+          <a:lnRef idx="2">
+            <a:schemeClr val="accent1">
+              <a:shade val="15000"/>
+            </a:schemeClr>
+          </a:lnRef>
+          <a:fillRef idx="1">
+            <a:schemeClr val="accent1"/>
+          </a:fillRef>
+          <a:effectRef idx="0">
+            <a:schemeClr val="accent1"/>
+          </a:effectRef>
+          <a:fontRef idx="minor">
+            <a:schemeClr val="lt1"/>
+          </a:fontRef>
+        </p:style>
+        <p:txBody>
+          <a:bodyPr rtlCol="0" anchor="ctr"/>
+          <a:lstStyle/>
+          <a:p>
+            <a:pPr algn="ctr"/>
+            <a:r>
+              <a:rPr lang="en-US" dirty="0">
+                <a:solidFill>
+                  <a:sysClr val="windowText" lastClr="000000"/>
+                </a:solidFill>
+              </a:rPr>
+              <a:t>Numeric</a:t>
+            </a:r>
+          </a:p>
+          <a:p>
+            <a:pPr algn="ctr"/>
+            <a:r>
+              <a:rPr lang="en-US" dirty="0">
+                <a:solidFill>
+                  <a:sysClr val="windowText" lastClr="000000"/>
+                </a:solidFill>
+              </a:rPr>
+              <a:t>Amount</a:t>
+            </a:r>
+          </a:p>
+        </p:txBody>
+      </p:sp>
+      <p:sp>
+        <p:nvSpPr>
+          <p:cNvPr id="12" name="Rectangular Callout 11">
+            <a:extLst>
+              <a:ext uri="{FF2B5EF4-FFF2-40B4-BE49-F238E27FC236}">
+                <a16:creationId xmlns:a16="http://schemas.microsoft.com/office/drawing/2014/main" id="{13263752-F4B6-80DD-5EEC-82D716B5F3EC}"/>
+              </a:ext>
+            </a:extLst>
+          </p:cNvPr>
+          <p:cNvSpPr/>
+          <p:nvPr/>
+        </p:nvSpPr>
+        <p:spPr>
+          <a:xfrm>
+            <a:off x="511945" y="3313830"/>
+            <a:ext cx="1319789" cy="677346"/>
+          </a:xfrm>
+          <a:prstGeom prst="wedgeRectCallout">
+            <a:avLst>
+              <a:gd name="adj1" fmla="val 92446"/>
+              <a:gd name="adj2" fmla="val 6937"/>
+            </a:avLst>
+          </a:prstGeom>
+          <a:solidFill>
+            <a:schemeClr val="bg1">
+              <a:lumMod val="85000"/>
+            </a:schemeClr>
+          </a:solidFill>
+        </p:spPr>
+        <p:style>
+          <a:lnRef idx="2">
+            <a:schemeClr val="accent1">
+              <a:shade val="15000"/>
+            </a:schemeClr>
+          </a:lnRef>
+          <a:fillRef idx="1">
+            <a:schemeClr val="accent1"/>
+          </a:fillRef>
+          <a:effectRef idx="0">
+            <a:schemeClr val="accent1"/>
+          </a:effectRef>
+          <a:fontRef idx="minor">
+            <a:schemeClr val="lt1"/>
+          </a:fontRef>
+        </p:style>
+        <p:txBody>
+          <a:bodyPr rtlCol="0" anchor="ctr"/>
+          <a:lstStyle/>
+          <a:p>
+            <a:pPr algn="ctr"/>
+            <a:r>
+              <a:rPr lang="en-US" dirty="0">
+                <a:solidFill>
+                  <a:sysClr val="windowText" lastClr="000000"/>
+                </a:solidFill>
+              </a:rPr>
+              <a:t>Written</a:t>
+            </a:r>
+          </a:p>
+          <a:p>
+            <a:pPr algn="ctr"/>
+            <a:r>
+              <a:rPr lang="en-US" dirty="0">
+                <a:solidFill>
+                  <a:sysClr val="windowText" lastClr="000000"/>
+                </a:solidFill>
+              </a:rPr>
+              <a:t>Amount</a:t>
+            </a:r>
+          </a:p>
+        </p:txBody>
+      </p:sp>
+      <p:sp>
+        <p:nvSpPr>
+          <p:cNvPr id="13" name="Rectangular Callout 12">
+            <a:extLst>
+              <a:ext uri="{FF2B5EF4-FFF2-40B4-BE49-F238E27FC236}">
+                <a16:creationId xmlns:a16="http://schemas.microsoft.com/office/drawing/2014/main" id="{80D09275-4362-0BB7-255E-733BC2EBED7F}"/>
+              </a:ext>
+            </a:extLst>
+          </p:cNvPr>
+          <p:cNvSpPr/>
+          <p:nvPr/>
+        </p:nvSpPr>
+        <p:spPr>
+          <a:xfrm>
+            <a:off x="373931" y="2248930"/>
+            <a:ext cx="1319789" cy="677346"/>
+          </a:xfrm>
+          <a:prstGeom prst="wedgeRectCallout">
+            <a:avLst>
+              <a:gd name="adj1" fmla="val 190598"/>
+              <a:gd name="adj2" fmla="val 48186"/>
+            </a:avLst>
+          </a:prstGeom>
+          <a:solidFill>
+            <a:schemeClr val="bg1">
+              <a:lumMod val="85000"/>
+            </a:schemeClr>
+          </a:solidFill>
+        </p:spPr>
+        <p:style>
+          <a:lnRef idx="2">
+            <a:schemeClr val="accent1">
+              <a:shade val="15000"/>
+            </a:schemeClr>
+          </a:lnRef>
+          <a:fillRef idx="1">
+            <a:schemeClr val="accent1"/>
+          </a:fillRef>
+          <a:effectRef idx="0">
+            <a:schemeClr val="accent1"/>
+          </a:effectRef>
+          <a:fontRef idx="minor">
+            <a:schemeClr val="lt1"/>
+          </a:fontRef>
+        </p:style>
+        <p:txBody>
+          <a:bodyPr rtlCol="0" anchor="ctr"/>
+          <a:lstStyle/>
+          <a:p>
+            <a:pPr algn="ctr"/>
+            <a:r>
+              <a:rPr lang="en-US" dirty="0">
+                <a:solidFill>
+                  <a:sysClr val="windowText" lastClr="000000"/>
+                </a:solidFill>
+              </a:rPr>
+              <a:t>Payee</a:t>
+            </a:r>
+          </a:p>
+          <a:p>
+            <a:pPr algn="ctr"/>
+            <a:r>
+              <a:rPr lang="en-US" dirty="0">
+                <a:solidFill>
+                  <a:sysClr val="windowText" lastClr="000000"/>
+                </a:solidFill>
+              </a:rPr>
+              <a:t>Name</a:t>
+            </a:r>
+          </a:p>
+        </p:txBody>
+      </p:sp>
+      <p:sp>
+        <p:nvSpPr>
+          <p:cNvPr id="14" name="Rectangular Callout 13">
+            <a:extLst>
+              <a:ext uri="{FF2B5EF4-FFF2-40B4-BE49-F238E27FC236}">
+                <a16:creationId xmlns:a16="http://schemas.microsoft.com/office/drawing/2014/main" id="{3415703C-881F-DADF-BAC9-5B288E634077}"/>
+              </a:ext>
+            </a:extLst>
+          </p:cNvPr>
+          <p:cNvSpPr/>
+          <p:nvPr/>
+        </p:nvSpPr>
+        <p:spPr>
+          <a:xfrm>
+            <a:off x="373930" y="4331630"/>
+            <a:ext cx="1319789" cy="677346"/>
+          </a:xfrm>
+          <a:prstGeom prst="wedgeRectCallout">
+            <a:avLst>
+              <a:gd name="adj1" fmla="val 92446"/>
+              <a:gd name="adj2" fmla="val -4313"/>
+            </a:avLst>
+          </a:prstGeom>
+          <a:solidFill>
+            <a:schemeClr val="bg1">
+              <a:lumMod val="85000"/>
+            </a:schemeClr>
+          </a:solidFill>
+        </p:spPr>
+        <p:style>
+          <a:lnRef idx="2">
+            <a:schemeClr val="accent1">
+              <a:shade val="15000"/>
+            </a:schemeClr>
+          </a:lnRef>
+          <a:fillRef idx="1">
+            <a:schemeClr val="accent1"/>
+          </a:fillRef>
+          <a:effectRef idx="0">
+            <a:schemeClr val="accent1"/>
+          </a:effectRef>
+          <a:fontRef idx="minor">
+            <a:schemeClr val="lt1"/>
+          </a:fontRef>
+        </p:style>
+        <p:txBody>
+          <a:bodyPr rtlCol="0" anchor="ctr"/>
+          <a:lstStyle/>
+          <a:p>
+            <a:pPr algn="ctr"/>
+            <a:r>
+              <a:rPr lang="en-US" dirty="0">
+                <a:solidFill>
+                  <a:sysClr val="windowText" lastClr="000000"/>
+                </a:solidFill>
+              </a:rPr>
+              <a:t>Optional</a:t>
+            </a:r>
+          </a:p>
+          <a:p>
+            <a:pPr algn="ctr"/>
+            <a:r>
+              <a:rPr lang="en-US" dirty="0">
+                <a:solidFill>
+                  <a:sysClr val="windowText" lastClr="000000"/>
+                </a:solidFill>
+              </a:rPr>
+              <a:t>Memo</a:t>
+            </a:r>
+          </a:p>
+        </p:txBody>
+      </p:sp>
+      <p:sp>
+        <p:nvSpPr>
+          <p:cNvPr id="15" name="Rectangular Callout 14">
+            <a:extLst>
+              <a:ext uri="{FF2B5EF4-FFF2-40B4-BE49-F238E27FC236}">
+                <a16:creationId xmlns:a16="http://schemas.microsoft.com/office/drawing/2014/main" id="{CC1768EB-6A55-7AD8-6E77-4732073C4318}"/>
+              </a:ext>
+            </a:extLst>
+          </p:cNvPr>
+          <p:cNvSpPr/>
+          <p:nvPr/>
+        </p:nvSpPr>
+        <p:spPr>
+          <a:xfrm>
+            <a:off x="10268024" y="4331630"/>
+            <a:ext cx="1319789" cy="677346"/>
+          </a:xfrm>
+          <a:prstGeom prst="wedgeRectCallout">
+            <a:avLst>
+              <a:gd name="adj1" fmla="val -123863"/>
+              <a:gd name="adj2" fmla="val -8852"/>
+            </a:avLst>
+          </a:prstGeom>
+          <a:solidFill>
+            <a:schemeClr val="bg1">
+              <a:lumMod val="85000"/>
+            </a:schemeClr>
+          </a:solidFill>
+        </p:spPr>
+        <p:style>
+          <a:lnRef idx="2">
+            <a:schemeClr val="accent1">
+              <a:shade val="15000"/>
+            </a:schemeClr>
+          </a:lnRef>
+          <a:fillRef idx="1">
+            <a:schemeClr val="accent1"/>
+          </a:fillRef>
+          <a:effectRef idx="0">
+            <a:schemeClr val="accent1"/>
+          </a:effectRef>
+          <a:fontRef idx="minor">
+            <a:schemeClr val="lt1"/>
+          </a:fontRef>
+        </p:style>
+        <p:txBody>
+          <a:bodyPr rtlCol="0" anchor="ctr"/>
+          <a:lstStyle/>
+          <a:p>
+            <a:pPr algn="ctr"/>
+            <a:r>
+              <a:rPr lang="en-US" dirty="0">
+                <a:solidFill>
+                  <a:sysClr val="windowText" lastClr="000000"/>
+                </a:solidFill>
+              </a:rPr>
+              <a:t>Signature</a:t>
+            </a:r>
+          </a:p>
+          <a:p>
+            <a:pPr algn="ctr"/>
+            <a:r>
+              <a:rPr lang="en-US" dirty="0">
+                <a:solidFill>
+                  <a:sysClr val="windowText" lastClr="000000"/>
+                </a:solidFill>
+              </a:rPr>
+              <a:t>Line</a:t>
+            </a:r>
+          </a:p>
+        </p:txBody>
+      </p:sp>
+      <p:sp>
+        <p:nvSpPr>
+          <p:cNvPr id="16" name="TextBox 15">
+            <a:extLst>
+              <a:ext uri="{FF2B5EF4-FFF2-40B4-BE49-F238E27FC236}">
+                <a16:creationId xmlns:a16="http://schemas.microsoft.com/office/drawing/2014/main" id="{A162F1C2-82EF-5576-DD75-FA7B6FED06F2}"/>
+              </a:ext>
+            </a:extLst>
+          </p:cNvPr>
+          <p:cNvSpPr txBox="1"/>
+          <p:nvPr/>
+        </p:nvSpPr>
+        <p:spPr>
+          <a:xfrm>
+            <a:off x="3157695" y="4395522"/>
+            <a:ext cx="1361270" cy="338554"/>
+          </a:xfrm>
+          <a:prstGeom prst="rect">
+            <a:avLst/>
+          </a:prstGeom>
+          <a:noFill/>
+        </p:spPr>
+        <p:txBody>
+          <a:bodyPr wrap="none" rtlCol="0">
+            <a:spAutoFit/>
+          </a:bodyPr>
+          <a:lstStyle/>
+          <a:p>
+            <a:r>
+              <a:rPr lang="en-US" sz="1600" dirty="0">
+                <a:latin typeface="Lucida Handwriting" panose="03010101010101010101" pitchFamily="66" charset="77"/>
+                <a:cs typeface="Charm" pitchFamily="2" charset="-34"/>
+              </a:rPr>
+              <a:t>April Rent</a:t>
+            </a:r>
+          </a:p>
+        </p:txBody>
+      </p:sp>
+      <p:sp>
+        <p:nvSpPr>
+          <p:cNvPr id="17" name="TextBox 16">
+            <a:extLst>
+              <a:ext uri="{FF2B5EF4-FFF2-40B4-BE49-F238E27FC236}">
+                <a16:creationId xmlns:a16="http://schemas.microsoft.com/office/drawing/2014/main" id="{4A8E0400-D22B-80DB-D70E-31BFA7F3B5DE}"/>
+              </a:ext>
+            </a:extLst>
+          </p:cNvPr>
+          <p:cNvSpPr txBox="1"/>
+          <p:nvPr/>
+        </p:nvSpPr>
+        <p:spPr>
+          <a:xfrm>
+            <a:off x="2365927" y="3962298"/>
+            <a:ext cx="1309974" cy="369332"/>
+          </a:xfrm>
+          <a:prstGeom prst="rect">
+            <a:avLst/>
+          </a:prstGeom>
+          <a:noFill/>
+        </p:spPr>
+        <p:txBody>
+          <a:bodyPr wrap="none" rtlCol="0">
+            <a:spAutoFit/>
+          </a:bodyPr>
+          <a:lstStyle/>
+          <a:p>
+            <a:r>
+              <a:rPr lang="en-US" dirty="0"/>
+              <a:t>Acme Bank</a:t>
+            </a:r>
+          </a:p>
+        </p:txBody>
+      </p:sp>
+    </p:spTree>
+    <p:extLst>
+      <p:ext uri="{BB962C8B-B14F-4D97-AF65-F5344CB8AC3E}">
+        <p14:creationId xmlns:p14="http://schemas.microsoft.com/office/powerpoint/2010/main" val="3202014604"/>
       </p:ext>
     </p:extLst>
   </p:cSld>
